--- a/W06/W06_結訓評量.pptx
+++ b/W06/W06_結訓評量.pptx
@@ -3330,7 +3330,7 @@
                   <a:spcPct val="100000"/>
                 </a:lnSpc>
               </a:pPr>
-              <a:t>2/10/2023</a:t>
+              <a:t>2/11/2023</a:t>
             </a:fld>
             <a:endParaRPr lang="en-US" sz="1200" b="0" strike="noStrike" spc="-1">
               <a:latin typeface="Times New Roman"/>
@@ -3949,7 +3949,7 @@
                   <a:spcPct val="100000"/>
                 </a:lnSpc>
               </a:pPr>
-              <a:t>2/10/2023</a:t>
+              <a:t>2/11/2023</a:t>
             </a:fld>
             <a:endParaRPr lang="en-US" sz="1200" b="0" strike="noStrike" spc="-1">
               <a:latin typeface="Times New Roman"/>
@@ -4189,7 +4189,7 @@
     <a:masterClrMapping/>
   </p:clrMapOvr>
   <mc:AlternateContent xmlns:mc="http://schemas.openxmlformats.org/markup-compatibility/2006">
-    <mc:Choice xmlns:p15="http://schemas.microsoft.com/office/powerpoint/2012/main" xmlns:p14="http://schemas.microsoft.com/office/powerpoint/2010/main" xmlns="" Requires="p14">
+    <mc:Choice xmlns="" xmlns:p14="http://schemas.microsoft.com/office/powerpoint/2010/main" xmlns:p15="http://schemas.microsoft.com/office/powerpoint/2012/main" Requires="p14">
       <p:transition spd="slow" p14:dur="2000"/>
     </mc:Choice>
     <mc:Fallback>
@@ -4320,7 +4320,7 @@
     <a:masterClrMapping/>
   </p:clrMapOvr>
   <mc:AlternateContent xmlns:mc="http://schemas.openxmlformats.org/markup-compatibility/2006">
-    <mc:Choice xmlns:p15="http://schemas.microsoft.com/office/powerpoint/2012/main" xmlns:p14="http://schemas.microsoft.com/office/powerpoint/2010/main" xmlns="" Requires="p14">
+    <mc:Choice xmlns="" xmlns:p14="http://schemas.microsoft.com/office/powerpoint/2010/main" xmlns:p15="http://schemas.microsoft.com/office/powerpoint/2012/main" Requires="p14">
       <p:transition spd="slow" p14:dur="2000"/>
     </mc:Choice>
     <mc:Fallback>
@@ -4451,7 +4451,7 @@
     <a:masterClrMapping/>
   </p:clrMapOvr>
   <mc:AlternateContent xmlns:mc="http://schemas.openxmlformats.org/markup-compatibility/2006">
-    <mc:Choice xmlns:p15="http://schemas.microsoft.com/office/powerpoint/2012/main" xmlns:p14="http://schemas.microsoft.com/office/powerpoint/2010/main" xmlns="" Requires="p14">
+    <mc:Choice xmlns="" xmlns:p14="http://schemas.microsoft.com/office/powerpoint/2010/main" xmlns:p15="http://schemas.microsoft.com/office/powerpoint/2012/main" Requires="p14">
       <p:transition spd="slow" p14:dur="2000"/>
     </mc:Choice>
     <mc:Fallback>
@@ -4565,14 +4565,47 @@
               <a:buChar char="•"/>
             </a:pPr>
             <a:r>
-              <a:rPr lang="zh-TW" sz="2200" b="0" strike="noStrike" spc="-1">
+              <a:rPr lang="zh-TW" altLang="en-US" sz="2200" b="0" strike="noStrike" spc="-1" dirty="0" smtClean="0">
                 <a:solidFill>
                   <a:srgbClr val="2F2B20"/>
                 </a:solidFill>
                 <a:latin typeface="Calibri"/>
               </a:rPr>
-              <a:t>請設計一個你的個人介紹網頁，或是個人作品展示網頁，並架設到雲端平台上，讓全世界都可以看到你!</a:t>
+              <a:t>請使用</a:t>
             </a:r>
+            <a:r>
+              <a:rPr lang="en-US" altLang="zh-TW" sz="2200" b="0" strike="noStrike" spc="-1" dirty="0" smtClean="0">
+                <a:solidFill>
+                  <a:srgbClr val="2F2B20"/>
+                </a:solidFill>
+                <a:latin typeface="Calibri"/>
+              </a:rPr>
+              <a:t>Week06的deme，實作電表資訊的報表匯出功能，如果可以並在報表上繪出用電趨勢。(</a:t>
+            </a:r>
+            <a:r>
+              <a:rPr lang="en-US" altLang="zh-TW" sz="2200" b="0" strike="noStrike" spc="-1" dirty="0" err="1" smtClean="0">
+                <a:solidFill>
+                  <a:srgbClr val="2F2B20"/>
+                </a:solidFill>
+                <a:latin typeface="Calibri"/>
+              </a:rPr>
+              <a:t>請截取附上所產生的報表畫面</a:t>
+            </a:r>
+            <a:r>
+              <a:rPr lang="en-US" altLang="zh-TW" sz="2200" b="0" strike="noStrike" spc="-1" smtClean="0">
+                <a:solidFill>
+                  <a:srgbClr val="2F2B20"/>
+                </a:solidFill>
+                <a:latin typeface="Calibri"/>
+              </a:rPr>
+              <a:t>)</a:t>
+            </a:r>
+            <a:endParaRPr lang="zh-TW" sz="2200" b="0" strike="noStrike" spc="-1" dirty="0">
+              <a:solidFill>
+                <a:srgbClr val="2F2B20"/>
+              </a:solidFill>
+              <a:latin typeface="Calibri"/>
+            </a:endParaRPr>
           </a:p>
         </p:txBody>
       </p:sp>
@@ -4582,7 +4615,7 @@
     <a:masterClrMapping/>
   </p:clrMapOvr>
   <mc:AlternateContent xmlns:mc="http://schemas.openxmlformats.org/markup-compatibility/2006">
-    <mc:Choice xmlns:p15="http://schemas.microsoft.com/office/powerpoint/2012/main" xmlns:p14="http://schemas.microsoft.com/office/powerpoint/2010/main" xmlns="" Requires="p14">
+    <mc:Choice xmlns="" xmlns:p14="http://schemas.microsoft.com/office/powerpoint/2010/main" xmlns:p15="http://schemas.microsoft.com/office/powerpoint/2012/main" Requires="p14">
       <p:transition spd="slow" p14:dur="2000"/>
     </mc:Choice>
     <mc:Fallback>
